--- a/Debugging-MemoryDumps.pptx
+++ b/Debugging-MemoryDumps.pptx
@@ -382,7 +382,7 @@
           <a:p>
             <a:fld id="{1482B2F9-9BBB-4685-AFB2-1868D794D01C}" type="datetime1">
               <a:rPr lang="de-DE" smtClean="0"/>
-              <a:t>07.01.2023</a:t>
+              <a:t>15.06.2024</a:t>
             </a:fld>
             <a:endParaRPr lang="de-DE" dirty="0"/>
           </a:p>
@@ -563,7 +563,7 @@
           <a:p>
             <a:fld id="{D9A21054-D7C0-4B4A-9A44-3EEE7A6EC042}" type="datetime1">
               <a:rPr lang="de-DE" smtClean="0"/>
-              <a:t>07.01.2023</a:t>
+              <a:t>15.06.2024</a:t>
             </a:fld>
             <a:endParaRPr lang="de-DE" dirty="0"/>
           </a:p>
@@ -1024,7 +1024,7 @@
           <a:p>
             <a:fld id="{D9A21054-D7C0-4B4A-9A44-3EEE7A6EC042}" type="datetime1">
               <a:rPr lang="de-DE" smtClean="0"/>
-              <a:t>07.01.2023</a:t>
+              <a:t>15.06.2024</a:t>
             </a:fld>
             <a:endParaRPr lang="de-DE" dirty="0"/>
           </a:p>
@@ -1158,7 +1158,7 @@
           <a:p>
             <a:fld id="{D9A21054-D7C0-4B4A-9A44-3EEE7A6EC042}" type="datetime1">
               <a:rPr lang="de-DE" smtClean="0"/>
-              <a:t>07.01.2023</a:t>
+              <a:t>15.06.2024</a:t>
             </a:fld>
             <a:endParaRPr lang="de-DE" dirty="0"/>
           </a:p>
@@ -1271,7 +1271,7 @@
           <a:p>
             <a:fld id="{D9A21054-D7C0-4B4A-9A44-3EEE7A6EC042}" type="datetime1">
               <a:rPr lang="de-DE" smtClean="0"/>
-              <a:t>07.01.2023</a:t>
+              <a:t>15.06.2024</a:t>
             </a:fld>
             <a:endParaRPr lang="de-DE" dirty="0"/>
           </a:p>
@@ -1385,10 +1385,6 @@
           </a:p>
           <a:p>
             <a:r>
-              <a:rPr lang="de-DE" dirty="0"/>
-              <a:t>TODO </a:t>
-            </a:r>
-            <a:r>
               <a:rPr lang="de-DE" dirty="0" err="1"/>
               <a:t>Explain</a:t>
             </a:r>
@@ -1535,7 +1531,7 @@
           <a:p>
             <a:fld id="{D9A21054-D7C0-4B4A-9A44-3EEE7A6EC042}" type="datetime1">
               <a:rPr lang="de-DE" smtClean="0"/>
-              <a:t>07.01.2023</a:t>
+              <a:t>15.06.2024</a:t>
             </a:fld>
             <a:endParaRPr lang="de-DE" dirty="0"/>
           </a:p>
@@ -1660,7 +1656,7 @@
           <a:p>
             <a:fld id="{D9A21054-D7C0-4B4A-9A44-3EEE7A6EC042}" type="datetime1">
               <a:rPr lang="de-DE" smtClean="0"/>
-              <a:t>07.01.2023</a:t>
+              <a:t>15.06.2024</a:t>
             </a:fld>
             <a:endParaRPr lang="de-DE" dirty="0"/>
           </a:p>
@@ -1822,7 +1818,7 @@
           <a:p>
             <a:fld id="{D9A21054-D7C0-4B4A-9A44-3EEE7A6EC042}" type="datetime1">
               <a:rPr lang="de-DE" smtClean="0"/>
-              <a:t>07.01.2023</a:t>
+              <a:t>15.06.2024</a:t>
             </a:fld>
             <a:endParaRPr lang="de-DE" dirty="0"/>
           </a:p>
@@ -2233,7 +2229,7 @@
           <a:p>
             <a:fld id="{D9A21054-D7C0-4B4A-9A44-3EEE7A6EC042}" type="datetime1">
               <a:rPr lang="de-DE" smtClean="0"/>
-              <a:t>07.01.2023</a:t>
+              <a:t>15.06.2024</a:t>
             </a:fld>
             <a:endParaRPr lang="de-DE" dirty="0"/>
           </a:p>
@@ -2461,7 +2457,7 @@
           <a:p>
             <a:fld id="{D9A21054-D7C0-4B4A-9A44-3EEE7A6EC042}" type="datetime1">
               <a:rPr lang="de-DE" smtClean="0"/>
-              <a:t>07.01.2023</a:t>
+              <a:t>15.06.2024</a:t>
             </a:fld>
             <a:endParaRPr lang="de-DE" dirty="0"/>
           </a:p>
@@ -2588,7 +2584,7 @@
           <a:p>
             <a:fld id="{D9A21054-D7C0-4B4A-9A44-3EEE7A6EC042}" type="datetime1">
               <a:rPr lang="de-DE" smtClean="0"/>
-              <a:t>07.01.2023</a:t>
+              <a:t>15.06.2024</a:t>
             </a:fld>
             <a:endParaRPr lang="de-DE" dirty="0"/>
           </a:p>
@@ -2703,7 +2699,7 @@
           <a:p>
             <a:fld id="{D9A21054-D7C0-4B4A-9A44-3EEE7A6EC042}" type="datetime1">
               <a:rPr lang="de-DE" smtClean="0"/>
-              <a:t>07.01.2023</a:t>
+              <a:t>15.06.2024</a:t>
             </a:fld>
             <a:endParaRPr lang="de-DE" dirty="0"/>
           </a:p>
@@ -2912,7 +2908,7 @@
           <a:p>
             <a:fld id="{D9A21054-D7C0-4B4A-9A44-3EEE7A6EC042}" type="datetime1">
               <a:rPr lang="de-DE" smtClean="0"/>
-              <a:t>07.01.2023</a:t>
+              <a:t>15.06.2024</a:t>
             </a:fld>
             <a:endParaRPr lang="de-DE" dirty="0"/>
           </a:p>
@@ -3043,7 +3039,7 @@
           <a:p>
             <a:fld id="{D9A21054-D7C0-4B4A-9A44-3EEE7A6EC042}" type="datetime1">
               <a:rPr lang="de-DE" smtClean="0"/>
-              <a:t>07.01.2023</a:t>
+              <a:t>15.06.2024</a:t>
             </a:fld>
             <a:endParaRPr lang="de-DE" dirty="0"/>
           </a:p>
@@ -3173,7 +3169,7 @@
           <a:p>
             <a:fld id="{D9A21054-D7C0-4B4A-9A44-3EEE7A6EC042}" type="datetime1">
               <a:rPr lang="de-DE" smtClean="0"/>
-              <a:t>07.01.2023</a:t>
+              <a:t>15.06.2024</a:t>
             </a:fld>
             <a:endParaRPr lang="de-DE" dirty="0"/>
           </a:p>
@@ -3476,7 +3472,7 @@
           <a:p>
             <a:fld id="{D9A21054-D7C0-4B4A-9A44-3EEE7A6EC042}" type="datetime1">
               <a:rPr lang="de-DE" smtClean="0"/>
-              <a:t>07.01.2023</a:t>
+              <a:t>15.06.2024</a:t>
             </a:fld>
             <a:endParaRPr lang="de-DE" dirty="0"/>
           </a:p>
@@ -3591,7 +3587,7 @@
           <a:p>
             <a:fld id="{D9A21054-D7C0-4B4A-9A44-3EEE7A6EC042}" type="datetime1">
               <a:rPr lang="de-DE" smtClean="0"/>
-              <a:t>07.01.2023</a:t>
+              <a:t>15.06.2024</a:t>
             </a:fld>
             <a:endParaRPr lang="de-DE" dirty="0"/>
           </a:p>
@@ -4247,7 +4243,7 @@
           <a:p>
             <a:fld id="{D9A21054-D7C0-4B4A-9A44-3EEE7A6EC042}" type="datetime1">
               <a:rPr lang="de-DE" smtClean="0"/>
-              <a:t>07.01.2023</a:t>
+              <a:t>15.06.2024</a:t>
             </a:fld>
             <a:endParaRPr lang="de-DE" dirty="0"/>
           </a:p>
@@ -4362,7 +4358,7 @@
           <a:p>
             <a:fld id="{D9A21054-D7C0-4B4A-9A44-3EEE7A6EC042}" type="datetime1">
               <a:rPr lang="de-DE" smtClean="0"/>
-              <a:t>07.01.2023</a:t>
+              <a:t>15.06.2024</a:t>
             </a:fld>
             <a:endParaRPr lang="de-DE" dirty="0"/>
           </a:p>
@@ -4646,7 +4642,7 @@
           <a:p>
             <a:fld id="{D9A21054-D7C0-4B4A-9A44-3EEE7A6EC042}" type="datetime1">
               <a:rPr lang="de-DE" smtClean="0"/>
-              <a:t>07.01.2023</a:t>
+              <a:t>15.06.2024</a:t>
             </a:fld>
             <a:endParaRPr lang="de-DE" dirty="0"/>
           </a:p>
@@ -4841,7 +4837,7 @@
           <a:p>
             <a:fld id="{D9A21054-D7C0-4B4A-9A44-3EEE7A6EC042}" type="datetime1">
               <a:rPr lang="de-DE" smtClean="0"/>
-              <a:t>07.01.2023</a:t>
+              <a:t>15.06.2024</a:t>
             </a:fld>
             <a:endParaRPr lang="de-DE" dirty="0"/>
           </a:p>
@@ -4956,7 +4952,7 @@
           <a:p>
             <a:fld id="{D9A21054-D7C0-4B4A-9A44-3EEE7A6EC042}" type="datetime1">
               <a:rPr lang="de-DE" smtClean="0"/>
-              <a:t>07.01.2023</a:t>
+              <a:t>15.06.2024</a:t>
             </a:fld>
             <a:endParaRPr lang="de-DE" dirty="0"/>
           </a:p>
@@ -5178,7 +5174,7 @@
           <a:p>
             <a:fld id="{D9A21054-D7C0-4B4A-9A44-3EEE7A6EC042}" type="datetime1">
               <a:rPr lang="de-DE" smtClean="0"/>
-              <a:t>07.01.2023</a:t>
+              <a:t>15.06.2024</a:t>
             </a:fld>
             <a:endParaRPr lang="de-DE" dirty="0"/>
           </a:p>
@@ -5291,7 +5287,7 @@
           <a:p>
             <a:fld id="{D9A21054-D7C0-4B4A-9A44-3EEE7A6EC042}" type="datetime1">
               <a:rPr lang="de-DE" smtClean="0"/>
-              <a:t>07.01.2023</a:t>
+              <a:t>15.06.2024</a:t>
             </a:fld>
             <a:endParaRPr lang="de-DE" dirty="0"/>
           </a:p>
@@ -5692,7 +5688,7 @@
           <a:p>
             <a:fld id="{D9A21054-D7C0-4B4A-9A44-3EEE7A6EC042}" type="datetime1">
               <a:rPr lang="de-DE" smtClean="0"/>
-              <a:t>07.01.2023</a:t>
+              <a:t>15.06.2024</a:t>
             </a:fld>
             <a:endParaRPr lang="de-DE" dirty="0"/>
           </a:p>
@@ -6173,7 +6169,7 @@
           <a:p>
             <a:fld id="{D9A21054-D7C0-4B4A-9A44-3EEE7A6EC042}" type="datetime1">
               <a:rPr lang="de-DE" smtClean="0"/>
-              <a:t>07.01.2023</a:t>
+              <a:t>15.06.2024</a:t>
             </a:fld>
             <a:endParaRPr lang="de-DE" dirty="0"/>
           </a:p>
@@ -6387,7 +6383,7 @@
           <a:p>
             <a:fld id="{D9A21054-D7C0-4B4A-9A44-3EEE7A6EC042}" type="datetime1">
               <a:rPr lang="de-DE" smtClean="0"/>
-              <a:t>07.01.2023</a:t>
+              <a:t>15.06.2024</a:t>
             </a:fld>
             <a:endParaRPr lang="de-DE" dirty="0"/>
           </a:p>
@@ -6612,7 +6608,7 @@
           <a:p>
             <a:fld id="{D9A21054-D7C0-4B4A-9A44-3EEE7A6EC042}" type="datetime1">
               <a:rPr lang="de-DE" smtClean="0"/>
-              <a:t>07.01.2023</a:t>
+              <a:t>15.06.2024</a:t>
             </a:fld>
             <a:endParaRPr lang="de-DE" dirty="0"/>
           </a:p>
@@ -6725,7 +6721,7 @@
           <a:p>
             <a:fld id="{D9A21054-D7C0-4B4A-9A44-3EEE7A6EC042}" type="datetime1">
               <a:rPr lang="de-DE" smtClean="0"/>
-              <a:t>07.01.2023</a:t>
+              <a:t>15.06.2024</a:t>
             </a:fld>
             <a:endParaRPr lang="de-DE" dirty="0"/>
           </a:p>
@@ -12568,7 +12564,7 @@
                   </a:schemeClr>
                 </a:solidFill>
               </a:rPr>
-              <a:t> –c 60 –s 3 –n2 </a:t>
+              <a:t> –c 60 –s 3 –n 2 </a:t>
             </a:r>
             <a:r>
               <a:rPr lang="en-GB" sz="2000" b="1" dirty="0">
@@ -13243,7 +13239,7 @@
                 <a:ea typeface="+mn-ea"/>
                 <a:cs typeface="+mn-cs"/>
               </a:rPr>
-              <a:t>dotTrace</a:t>
+              <a:t>dotMemory</a:t>
             </a:r>
             <a:r>
               <a:rPr kumimoji="0" lang="de-DE" sz="1800" b="0" i="0" u="none" strike="noStrike" kern="1200" cap="none" spc="0" normalizeH="0" baseline="0" dirty="0">
@@ -29205,15 +29201,68 @@
 </file>
 
 <file path=customXml/item2.xml><?xml version="1.0" encoding="utf-8"?>
-<?mso-contentType ?>
-<FormTemplates xmlns="http://schemas.microsoft.com/sharepoint/v3/contenttype/forms">
-  <Display>DocumentLibraryForm</Display>
-  <Edit>DocumentLibraryForm</Edit>
-  <New>DocumentLibraryForm</New>
-</FormTemplates>
+<p:properties xmlns:p="http://schemas.microsoft.com/office/2006/metadata/properties" xmlns:xsi="http://www.w3.org/2001/XMLSchema-instance" xmlns:pc="http://schemas.microsoft.com/office/infopath/2007/PartnerControls">
+  <documentManagement>
+    <_dlc_DocId xmlns="3637f0e1-10cb-4a3f-92a1-c88659c4f809">ZEXPKDMTE3ES-1673271611-1026</_dlc_DocId>
+    <_dlc_DocIdUrl xmlns="3637f0e1-10cb-4a3f-92a1-c88659c4f809">
+      <Url>https://mmportal/global/QMS/_layouts/15/DocIdRedir.aspx?ID=ZEXPKDMTE3ES-1673271611-1026</Url>
+      <Description>ZEXPKDMTE3ES-1673271611-1026</Description>
+    </_dlc_DocIdUrl>
+  </documentManagement>
+</p:properties>
 </file>
 
 <file path=customXml/item3.xml><?xml version="1.0" encoding="utf-8"?>
+<?mso-contentType ?>
+<spe:Receivers xmlns:spe="http://schemas.microsoft.com/sharepoint/events">
+  <Receiver>
+    <Name>Document ID Generator</Name>
+    <Synchronization>Synchronous</Synchronization>
+    <Type>10001</Type>
+    <SequenceNumber>1000</SequenceNumber>
+    <Url/>
+    <Assembly>Microsoft.Office.DocumentManagement, Version=16.0.0.0, Culture=neutral, PublicKeyToken=71e9bce111e9429c</Assembly>
+    <Class>Microsoft.Office.DocumentManagement.Internal.DocIdHandler</Class>
+    <Data/>
+    <Filter/>
+  </Receiver>
+  <Receiver>
+    <Name>Document ID Generator</Name>
+    <Synchronization>Synchronous</Synchronization>
+    <Type>10002</Type>
+    <SequenceNumber>1001</SequenceNumber>
+    <Url/>
+    <Assembly>Microsoft.Office.DocumentManagement, Version=16.0.0.0, Culture=neutral, PublicKeyToken=71e9bce111e9429c</Assembly>
+    <Class>Microsoft.Office.DocumentManagement.Internal.DocIdHandler</Class>
+    <Data/>
+    <Filter/>
+  </Receiver>
+  <Receiver>
+    <Name>Document ID Generator</Name>
+    <Synchronization>Synchronous</Synchronization>
+    <Type>10004</Type>
+    <SequenceNumber>1002</SequenceNumber>
+    <Url/>
+    <Assembly>Microsoft.Office.DocumentManagement, Version=16.0.0.0, Culture=neutral, PublicKeyToken=71e9bce111e9429c</Assembly>
+    <Class>Microsoft.Office.DocumentManagement.Internal.DocIdHandler</Class>
+    <Data/>
+    <Filter/>
+  </Receiver>
+  <Receiver>
+    <Name>Document ID Generator</Name>
+    <Synchronization>Synchronous</Synchronization>
+    <Type>10006</Type>
+    <SequenceNumber>1003</SequenceNumber>
+    <Url/>
+    <Assembly>Microsoft.Office.DocumentManagement, Version=16.0.0.0, Culture=neutral, PublicKeyToken=71e9bce111e9429c</Assembly>
+    <Class>Microsoft.Office.DocumentManagement.Internal.DocIdHandler</Class>
+    <Data/>
+    <Filter/>
+  </Receiver>
+</spe:Receivers>
+</file>
+
+<file path=customXml/item4.xml><?xml version="1.0" encoding="utf-8"?>
 <ct:contentTypeSchema xmlns:ct="http://schemas.microsoft.com/office/2006/metadata/contentType" xmlns:ma="http://schemas.microsoft.com/office/2006/metadata/properties/metaAttributes" ct:_="" ma:_="" ma:contentTypeName="Document" ma:contentTypeID="0x010100359E96BF06A2BA4797BAB4F4C615A725" ma:contentTypeVersion="13" ma:contentTypeDescription="Create a new document." ma:contentTypeScope="" ma:versionID="7bdae47ed3ee143659974898e4873744">
   <xsd:schema xmlns:xsd="http://www.w3.org/2001/XMLSchema" xmlns:xs="http://www.w3.org/2001/XMLSchema" xmlns:p="http://schemas.microsoft.com/office/2006/metadata/properties" xmlns:ns1="http://schemas.microsoft.com/sharepoint/v3" xmlns:ns3="e1d62eaf-e45e-4c68-89f0-3083bd26b2bc" xmlns:ns4="3637f0e1-10cb-4a3f-92a1-c88659c4f809" targetNamespace="http://schemas.microsoft.com/office/2006/metadata/properties" ma:root="true" ma:fieldsID="f3762c11ae7248dee21c8bec6e0d92df" ns1:_="" ns3:_="" ns4:_="">
     <xsd:import namespace="http://schemas.microsoft.com/sharepoint/v3"/>
@@ -29394,66 +29443,13 @@
 </ct:contentTypeSchema>
 </file>
 
-<file path=customXml/item4.xml><?xml version="1.0" encoding="utf-8"?>
+<file path=customXml/item5.xml><?xml version="1.0" encoding="utf-8"?>
 <?mso-contentType ?>
-<spe:Receivers xmlns:spe="http://schemas.microsoft.com/sharepoint/events">
-  <Receiver>
-    <Name>Document ID Generator</Name>
-    <Synchronization>Synchronous</Synchronization>
-    <Type>10001</Type>
-    <SequenceNumber>1000</SequenceNumber>
-    <Url/>
-    <Assembly>Microsoft.Office.DocumentManagement, Version=16.0.0.0, Culture=neutral, PublicKeyToken=71e9bce111e9429c</Assembly>
-    <Class>Microsoft.Office.DocumentManagement.Internal.DocIdHandler</Class>
-    <Data/>
-    <Filter/>
-  </Receiver>
-  <Receiver>
-    <Name>Document ID Generator</Name>
-    <Synchronization>Synchronous</Synchronization>
-    <Type>10002</Type>
-    <SequenceNumber>1001</SequenceNumber>
-    <Url/>
-    <Assembly>Microsoft.Office.DocumentManagement, Version=16.0.0.0, Culture=neutral, PublicKeyToken=71e9bce111e9429c</Assembly>
-    <Class>Microsoft.Office.DocumentManagement.Internal.DocIdHandler</Class>
-    <Data/>
-    <Filter/>
-  </Receiver>
-  <Receiver>
-    <Name>Document ID Generator</Name>
-    <Synchronization>Synchronous</Synchronization>
-    <Type>10004</Type>
-    <SequenceNumber>1002</SequenceNumber>
-    <Url/>
-    <Assembly>Microsoft.Office.DocumentManagement, Version=16.0.0.0, Culture=neutral, PublicKeyToken=71e9bce111e9429c</Assembly>
-    <Class>Microsoft.Office.DocumentManagement.Internal.DocIdHandler</Class>
-    <Data/>
-    <Filter/>
-  </Receiver>
-  <Receiver>
-    <Name>Document ID Generator</Name>
-    <Synchronization>Synchronous</Synchronization>
-    <Type>10006</Type>
-    <SequenceNumber>1003</SequenceNumber>
-    <Url/>
-    <Assembly>Microsoft.Office.DocumentManagement, Version=16.0.0.0, Culture=neutral, PublicKeyToken=71e9bce111e9429c</Assembly>
-    <Class>Microsoft.Office.DocumentManagement.Internal.DocIdHandler</Class>
-    <Data/>
-    <Filter/>
-  </Receiver>
-</spe:Receivers>
-</file>
-
-<file path=customXml/item5.xml><?xml version="1.0" encoding="utf-8"?>
-<p:properties xmlns:p="http://schemas.microsoft.com/office/2006/metadata/properties" xmlns:xsi="http://www.w3.org/2001/XMLSchema-instance" xmlns:pc="http://schemas.microsoft.com/office/infopath/2007/PartnerControls">
-  <documentManagement>
-    <_dlc_DocId xmlns="3637f0e1-10cb-4a3f-92a1-c88659c4f809">ZEXPKDMTE3ES-1673271611-1026</_dlc_DocId>
-    <_dlc_DocIdUrl xmlns="3637f0e1-10cb-4a3f-92a1-c88659c4f809">
-      <Url>https://mmportal/global/QMS/_layouts/15/DocIdRedir.aspx?ID=ZEXPKDMTE3ES-1673271611-1026</Url>
-      <Description>ZEXPKDMTE3ES-1673271611-1026</Description>
-    </_dlc_DocIdUrl>
-  </documentManagement>
-</p:properties>
+<FormTemplates xmlns="http://schemas.microsoft.com/sharepoint/v3/contenttype/forms">
+  <Display>DocumentLibraryForm</Display>
+  <Edit>DocumentLibraryForm</Edit>
+  <New>DocumentLibraryForm</New>
+</FormTemplates>
 </file>
 
 <file path=customXml/itemProps1.xml><?xml version="1.0" encoding="utf-8"?>
@@ -29465,14 +29461,32 @@
 </file>
 
 <file path=customXml/itemProps2.xml><?xml version="1.0" encoding="utf-8"?>
-<ds:datastoreItem xmlns:ds="http://schemas.openxmlformats.org/officeDocument/2006/customXml" ds:itemID="{031664DA-AA74-49FD-A80D-8C948E43BCB1}">
+<ds:datastoreItem xmlns:ds="http://schemas.openxmlformats.org/officeDocument/2006/customXml" ds:itemID="{20189F24-2EFF-4D4B-9273-866DCFF905FF}">
   <ds:schemaRefs>
-    <ds:schemaRef ds:uri="http://schemas.microsoft.com/sharepoint/v3/contenttype/forms"/>
+    <ds:schemaRef ds:uri="http://purl.org/dc/elements/1.1/"/>
+    <ds:schemaRef ds:uri="http://schemas.microsoft.com/office/2006/metadata/properties"/>
+    <ds:schemaRef ds:uri="http://schemas.microsoft.com/office/2006/documentManagement/types"/>
+    <ds:schemaRef ds:uri="http://schemas.microsoft.com/sharepoint/v3"/>
+    <ds:schemaRef ds:uri="e1d62eaf-e45e-4c68-89f0-3083bd26b2bc"/>
+    <ds:schemaRef ds:uri="http://purl.org/dc/terms/"/>
+    <ds:schemaRef ds:uri="http://purl.org/dc/dcmitype/"/>
+    <ds:schemaRef ds:uri="http://schemas.microsoft.com/office/infopath/2007/PartnerControls"/>
+    <ds:schemaRef ds:uri="http://schemas.openxmlformats.org/package/2006/metadata/core-properties"/>
+    <ds:schemaRef ds:uri="3637f0e1-10cb-4a3f-92a1-c88659c4f809"/>
+    <ds:schemaRef ds:uri="http://www.w3.org/XML/1998/namespace"/>
   </ds:schemaRefs>
 </ds:datastoreItem>
 </file>
 
 <file path=customXml/itemProps3.xml><?xml version="1.0" encoding="utf-8"?>
+<ds:datastoreItem xmlns:ds="http://schemas.openxmlformats.org/officeDocument/2006/customXml" ds:itemID="{CBC141D1-E8FC-4EFE-83F1-BD7F7B18119B}">
+  <ds:schemaRefs>
+    <ds:schemaRef ds:uri="http://schemas.microsoft.com/sharepoint/events"/>
+  </ds:schemaRefs>
+</ds:datastoreItem>
+</file>
+
+<file path=customXml/itemProps4.xml><?xml version="1.0" encoding="utf-8"?>
 <ds:datastoreItem xmlns:ds="http://schemas.openxmlformats.org/officeDocument/2006/customXml" ds:itemID="{80113400-03EC-4CE4-99BB-4705CF4D93D2}">
   <ds:schemaRefs>
     <ds:schemaRef ds:uri="http://schemas.microsoft.com/office/2006/metadata/contentType"/>
@@ -29492,28 +29506,10 @@
 </ds:datastoreItem>
 </file>
 
-<file path=customXml/itemProps4.xml><?xml version="1.0" encoding="utf-8"?>
-<ds:datastoreItem xmlns:ds="http://schemas.openxmlformats.org/officeDocument/2006/customXml" ds:itemID="{CBC141D1-E8FC-4EFE-83F1-BD7F7B18119B}">
+<file path=customXml/itemProps5.xml><?xml version="1.0" encoding="utf-8"?>
+<ds:datastoreItem xmlns:ds="http://schemas.openxmlformats.org/officeDocument/2006/customXml" ds:itemID="{031664DA-AA74-49FD-A80D-8C948E43BCB1}">
   <ds:schemaRefs>
-    <ds:schemaRef ds:uri="http://schemas.microsoft.com/sharepoint/events"/>
-  </ds:schemaRefs>
-</ds:datastoreItem>
-</file>
-
-<file path=customXml/itemProps5.xml><?xml version="1.0" encoding="utf-8"?>
-<ds:datastoreItem xmlns:ds="http://schemas.openxmlformats.org/officeDocument/2006/customXml" ds:itemID="{20189F24-2EFF-4D4B-9273-866DCFF905FF}">
-  <ds:schemaRefs>
-    <ds:schemaRef ds:uri="http://purl.org/dc/elements/1.1/"/>
-    <ds:schemaRef ds:uri="http://schemas.microsoft.com/office/2006/metadata/properties"/>
-    <ds:schemaRef ds:uri="http://schemas.microsoft.com/office/2006/documentManagement/types"/>
-    <ds:schemaRef ds:uri="http://schemas.microsoft.com/sharepoint/v3"/>
-    <ds:schemaRef ds:uri="e1d62eaf-e45e-4c68-89f0-3083bd26b2bc"/>
-    <ds:schemaRef ds:uri="http://purl.org/dc/terms/"/>
-    <ds:schemaRef ds:uri="http://purl.org/dc/dcmitype/"/>
-    <ds:schemaRef ds:uri="http://schemas.microsoft.com/office/infopath/2007/PartnerControls"/>
-    <ds:schemaRef ds:uri="http://schemas.openxmlformats.org/package/2006/metadata/core-properties"/>
-    <ds:schemaRef ds:uri="3637f0e1-10cb-4a3f-92a1-c88659c4f809"/>
-    <ds:schemaRef ds:uri="http://www.w3.org/XML/1998/namespace"/>
+    <ds:schemaRef ds:uri="http://schemas.microsoft.com/sharepoint/v3/contenttype/forms"/>
   </ds:schemaRefs>
 </ds:datastoreItem>
 </file>